--- a/Presentation.pptx
+++ b/Presentation.pptx
@@ -7,6 +7,9 @@
   <p:notesMasterIdLst>
     <p:notesMasterId r:id="rId30"/>
   </p:notesMasterIdLst>
+  <p:handoutMasterIdLst>
+    <p:handoutMasterId r:id="rId31"/>
+  </p:handoutMasterIdLst>
   <p:sldIdLst>
     <p:sldId id="256" r:id="rId2"/>
     <p:sldId id="257" r:id="rId3"/>
@@ -153,6 +156,172 @@
 </p:presentation>
 </file>
 
+<file path=ppt/handoutMasters/handoutMaster1.xml><?xml version="1.0" encoding="utf-8"?>
+<p:handoutMaster xmlns:a="http://schemas.openxmlformats.org/drawingml/2006/main" xmlns:r="http://schemas.openxmlformats.org/officeDocument/2006/relationships" xmlns:p="http://schemas.openxmlformats.org/presentationml/2006/main">
+  <p:cSld>
+    <p:bg>
+      <p:bgRef idx="1001">
+        <a:schemeClr val="bg1"/>
+      </p:bgRef>
+    </p:bg>
+    <p:spTree>
+      <p:nvGrpSpPr>
+        <p:cNvPr id="1" name=""/>
+        <p:cNvGrpSpPr/>
+        <p:nvPr/>
+      </p:nvGrpSpPr>
+      <p:grpSpPr>
+        <a:xfrm>
+          <a:off x="0" y="0"/>
+          <a:ext cx="0" cy="0"/>
+          <a:chOff x="0" y="0"/>
+          <a:chExt cx="0" cy="0"/>
+        </a:xfrm>
+      </p:grpSpPr>
+      <p:sp>
+        <p:nvSpPr>
+          <p:cNvPr id="2" name="Header Placeholder 1"/>
+          <p:cNvSpPr>
+            <a:spLocks noGrp="1"/>
+          </p:cNvSpPr>
+          <p:nvPr>
+            <p:ph type="hdr" sz="quarter"/>
+          </p:nvPr>
+        </p:nvSpPr>
+        <p:spPr>
+          <a:xfrm>
+            <a:off x="0" y="0"/>
+            <a:ext cx="2971800" cy="458788"/>
+          </a:xfrm>
+          <a:prstGeom prst="rect">
+            <a:avLst/>
+          </a:prstGeom>
+        </p:spPr>
+        <p:txBody>
+          <a:bodyPr vert="horz" lIns="91440" tIns="45720" rIns="91440" bIns="45720" rtlCol="0"/>
+          <a:lstStyle>
+            <a:lvl1pPr algn="l">
+              <a:defRPr sz="1200"/>
+            </a:lvl1pPr>
+          </a:lstStyle>
+          <a:p>
+            <a:endParaRPr lang="en-GB"/>
+          </a:p>
+        </p:txBody>
+      </p:sp>
+      <p:sp>
+        <p:nvSpPr>
+          <p:cNvPr id="3" name="Date Placeholder 2"/>
+          <p:cNvSpPr>
+            <a:spLocks noGrp="1"/>
+          </p:cNvSpPr>
+          <p:nvPr>
+            <p:ph type="dt" sz="quarter" idx="1"/>
+          </p:nvPr>
+        </p:nvSpPr>
+        <p:spPr>
+          <a:xfrm>
+            <a:off x="3884613" y="0"/>
+            <a:ext cx="2971800" cy="458788"/>
+          </a:xfrm>
+          <a:prstGeom prst="rect">
+            <a:avLst/>
+          </a:prstGeom>
+        </p:spPr>
+        <p:txBody>
+          <a:bodyPr vert="horz" lIns="91440" tIns="45720" rIns="91440" bIns="45720" rtlCol="0"/>
+          <a:lstStyle>
+            <a:lvl1pPr algn="r">
+              <a:defRPr sz="1200"/>
+            </a:lvl1pPr>
+          </a:lstStyle>
+          <a:p>
+            <a:fld id="{12F501D8-0BAC-42B4-936B-A68990144EB9}" type="datetimeFigureOut">
+              <a:rPr lang="en-GB" smtClean="0"/>
+              <a:t>08/02/2017</a:t>
+            </a:fld>
+            <a:endParaRPr lang="en-GB"/>
+          </a:p>
+        </p:txBody>
+      </p:sp>
+      <p:sp>
+        <p:nvSpPr>
+          <p:cNvPr id="4" name="Footer Placeholder 3"/>
+          <p:cNvSpPr>
+            <a:spLocks noGrp="1"/>
+          </p:cNvSpPr>
+          <p:nvPr>
+            <p:ph type="ftr" sz="quarter" idx="2"/>
+          </p:nvPr>
+        </p:nvSpPr>
+        <p:spPr>
+          <a:xfrm>
+            <a:off x="0" y="8685213"/>
+            <a:ext cx="2971800" cy="458787"/>
+          </a:xfrm>
+          <a:prstGeom prst="rect">
+            <a:avLst/>
+          </a:prstGeom>
+        </p:spPr>
+        <p:txBody>
+          <a:bodyPr vert="horz" lIns="91440" tIns="45720" rIns="91440" bIns="45720" rtlCol="0" anchor="b"/>
+          <a:lstStyle>
+            <a:lvl1pPr algn="l">
+              <a:defRPr sz="1200"/>
+            </a:lvl1pPr>
+          </a:lstStyle>
+          <a:p>
+            <a:endParaRPr lang="en-GB"/>
+          </a:p>
+        </p:txBody>
+      </p:sp>
+      <p:sp>
+        <p:nvSpPr>
+          <p:cNvPr id="5" name="Slide Number Placeholder 4"/>
+          <p:cNvSpPr>
+            <a:spLocks noGrp="1"/>
+          </p:cNvSpPr>
+          <p:nvPr>
+            <p:ph type="sldNum" sz="quarter" idx="3"/>
+          </p:nvPr>
+        </p:nvSpPr>
+        <p:spPr>
+          <a:xfrm>
+            <a:off x="3884613" y="8685213"/>
+            <a:ext cx="2971800" cy="458787"/>
+          </a:xfrm>
+          <a:prstGeom prst="rect">
+            <a:avLst/>
+          </a:prstGeom>
+        </p:spPr>
+        <p:txBody>
+          <a:bodyPr vert="horz" lIns="91440" tIns="45720" rIns="91440" bIns="45720" rtlCol="0" anchor="b"/>
+          <a:lstStyle>
+            <a:lvl1pPr algn="r">
+              <a:defRPr sz="1200"/>
+            </a:lvl1pPr>
+          </a:lstStyle>
+          <a:p>
+            <a:fld id="{E75792E8-D9D9-461D-A9DC-F07C8A22753C}" type="slidenum">
+              <a:rPr lang="en-GB" smtClean="0"/>
+              <a:t>‹#›</a:t>
+            </a:fld>
+            <a:endParaRPr lang="en-GB"/>
+          </a:p>
+        </p:txBody>
+      </p:sp>
+    </p:spTree>
+    <p:extLst>
+      <p:ext uri="{BB962C8B-B14F-4D97-AF65-F5344CB8AC3E}">
+        <p14:creationId xmlns:p14="http://schemas.microsoft.com/office/powerpoint/2010/main" val="3360267570"/>
+      </p:ext>
+    </p:extLst>
+  </p:cSld>
+  <p:clrMap bg1="lt1" tx1="dk1" bg2="lt2" tx2="dk2" accent1="accent1" accent2="accent2" accent3="accent3" accent4="accent4" accent5="accent5" accent6="accent6" hlink="hlink" folHlink="folHlink"/>
+  <p:hf hdr="0" ftr="0" dt="0"/>
+</p:handoutMaster>
+</file>
+
 <file path=ppt/notesMasters/notesMaster1.xml><?xml version="1.0" encoding="utf-8"?>
 <p:notesMaster xmlns:a="http://schemas.openxmlformats.org/drawingml/2006/main" xmlns:r="http://schemas.openxmlformats.org/officeDocument/2006/relationships" xmlns:p="http://schemas.openxmlformats.org/presentationml/2006/main">
   <p:cSld>
@@ -408,6 +577,7 @@
     </p:extLst>
   </p:cSld>
   <p:clrMap bg1="lt1" tx1="dk1" bg2="lt2" tx2="dk2" accent1="accent1" accent2="accent2" accent3="accent3" accent4="accent4" accent5="accent5" accent6="accent6" hlink="hlink" folHlink="folHlink"/>
+  <p:hf hdr="0" ftr="0" dt="0"/>
   <p:notesStyle>
     <a:lvl1pPr marL="0" algn="l" defTabSz="914400" rtl="0" eaLnBrk="1" latinLnBrk="0" hangingPunct="1">
       <a:defRPr sz="1200" kern="1200">
@@ -2392,9 +2562,9 @@
           <a:bodyPr/>
           <a:lstStyle/>
           <a:p>
-            <a:fld id="{F2CC31B8-D55E-3142-A1F8-FCFE86EBD46B}" type="datetime1">
+            <a:fld id="{DEF2CA4A-218A-47B6-8BAE-DDB2F30A0674}" type="datetime5">
               <a:rPr lang="en-US" smtClean="0"/>
-              <a:t>2/8/2017</a:t>
+              <a:t>8-Feb-17</a:t>
             </a:fld>
             <a:endParaRPr lang="en-US" dirty="0"/>
           </a:p>
@@ -2600,9 +2770,9 @@
           <a:bodyPr/>
           <a:lstStyle/>
           <a:p>
-            <a:fld id="{EA0B2E4C-09A0-1C47-AC04-653E7CA38318}" type="datetime1">
+            <a:fld id="{4AD8C650-215B-4075-B576-5D2824BB01AF}" type="datetime5">
               <a:rPr lang="en-US" smtClean="0"/>
-              <a:t>2/8/2017</a:t>
+              <a:t>8-Feb-17</a:t>
             </a:fld>
             <a:endParaRPr lang="en-US"/>
           </a:p>
@@ -2892,9 +3062,9 @@
           <a:bodyPr/>
           <a:lstStyle/>
           <a:p>
-            <a:fld id="{8BA5FDB6-C8E1-CA43-986D-07A95846BEF8}" type="datetime1">
+            <a:fld id="{EC60F45E-DDF8-4789-A70F-C9FAA4007CD2}" type="datetime5">
               <a:rPr lang="en-US" smtClean="0"/>
-              <a:t>2/8/2017</a:t>
+              <a:t>8-Feb-17</a:t>
             </a:fld>
             <a:endParaRPr lang="en-US" dirty="0"/>
           </a:p>
@@ -3143,9 +3313,9 @@
           <a:bodyPr/>
           <a:lstStyle/>
           <a:p>
-            <a:fld id="{D181DAD3-920B-5943-A25F-8EE8A165768D}" type="datetime1">
+            <a:fld id="{63645CA4-49AA-4696-B91C-E5322EFFDF3A}" type="datetime5">
               <a:rPr lang="en-US" smtClean="0"/>
-              <a:t>2/8/2017</a:t>
+              <a:t>8-Feb-17</a:t>
             </a:fld>
             <a:endParaRPr lang="en-US"/>
           </a:p>
@@ -3414,9 +3584,9 @@
           <a:bodyPr/>
           <a:lstStyle/>
           <a:p>
-            <a:fld id="{E6DFEB03-8AE6-F64E-A2BF-5A3C6EB89D07}" type="datetime1">
+            <a:fld id="{C1B630A0-F1CE-4DEF-9EDB-E54FD44FDB0A}" type="datetime5">
               <a:rPr lang="en-US" smtClean="0"/>
-              <a:t>2/8/2017</a:t>
+              <a:t>8-Feb-17</a:t>
             </a:fld>
             <a:endParaRPr lang="en-US" dirty="0"/>
           </a:p>
@@ -3623,9 +3793,9 @@
           <a:bodyPr/>
           <a:lstStyle/>
           <a:p>
-            <a:fld id="{E6DFEB03-8AE6-F64E-A2BF-5A3C6EB89D07}" type="datetime1">
+            <a:fld id="{988AA830-58EE-406C-99D1-49AC17FDE974}" type="datetime5">
               <a:rPr lang="en-US" smtClean="0"/>
-              <a:t>2/8/2017</a:t>
+              <a:t>8-Feb-17</a:t>
             </a:fld>
             <a:endParaRPr lang="en-US" dirty="0"/>
           </a:p>
@@ -3732,9 +3902,9 @@
           <a:bodyPr/>
           <a:lstStyle/>
           <a:p>
-            <a:fld id="{095AFE96-DCFC-C64E-95A7-05B2CB393A95}" type="datetime1">
+            <a:fld id="{5113AE7C-1B5D-4B44-BA99-C7EC3C3E989A}" type="datetime5">
               <a:rPr lang="en-US" smtClean="0"/>
-              <a:t>2/8/2017</a:t>
+              <a:t>8-Feb-17</a:t>
             </a:fld>
             <a:endParaRPr lang="en-US"/>
           </a:p>
@@ -3957,9 +4127,9 @@
             </a:lvl1pPr>
           </a:lstStyle>
           <a:p>
-            <a:fld id="{C7FD4294-2665-F444-8DA7-9FAAB9092A2E}" type="datetime1">
+            <a:fld id="{F598B3C9-2276-4206-9AED-21AFB0F9BD63}" type="datetime5">
               <a:rPr lang="en-US" smtClean="0"/>
-              <a:t>2/8/2017</a:t>
+              <a:t>8-Feb-17</a:t>
             </a:fld>
             <a:endParaRPr lang="en-US" dirty="0"/>
           </a:p>
@@ -4074,7 +4244,7 @@
     <p:sldLayoutId id="2147483658" r:id="rId6"/>
     <p:sldLayoutId id="2147483655" r:id="rId7"/>
   </p:sldLayoutIdLst>
-  <p:hf sldNum="0" hdr="0"/>
+  <p:hf hdr="0"/>
   <p:txStyles>
     <p:titleStyle>
       <a:lvl1pPr algn="l" defTabSz="457200" rtl="0" eaLnBrk="1" latinLnBrk="0" hangingPunct="1">
@@ -4386,9 +4556,9 @@
           <a:bodyPr/>
           <a:lstStyle/>
           <a:p>
-            <a:fld id="{F2CC31B8-D55E-3142-A1F8-FCFE86EBD46B}" type="datetime1">
+            <a:fld id="{9BE4E600-7F2C-4BEA-8C92-38577BCA3992}" type="datetime5">
               <a:rPr lang="en-US" smtClean="0"/>
-              <a:t>2/8/2017</a:t>
+              <a:t>8-Feb-17</a:t>
             </a:fld>
             <a:endParaRPr lang="en-US" dirty="0"/>
           </a:p>
@@ -4634,6 +4804,29 @@
           </a:p>
         </p:txBody>
       </p:sp>
+      <p:sp>
+        <p:nvSpPr>
+          <p:cNvPr id="7" name="Slide Number Placeholder 6"/>
+          <p:cNvSpPr>
+            <a:spLocks noGrp="1"/>
+          </p:cNvSpPr>
+          <p:nvPr>
+            <p:ph type="sldNum" sz="quarter" idx="12"/>
+          </p:nvPr>
+        </p:nvSpPr>
+        <p:spPr/>
+        <p:txBody>
+          <a:bodyPr/>
+          <a:lstStyle/>
+          <a:p>
+            <a:fld id="{CA60EF0C-846E-4A4D-B9C3-8238AE181769}" type="slidenum">
+              <a:rPr lang="en-US" smtClean="0"/>
+              <a:t>1</a:t>
+            </a:fld>
+            <a:endParaRPr lang="en-US"/>
+          </a:p>
+        </p:txBody>
+      </p:sp>
     </p:spTree>
     <p:extLst>
       <p:ext uri="{BB962C8B-B14F-4D97-AF65-F5344CB8AC3E}">
@@ -4798,9 +4991,9 @@
           <a:bodyPr/>
           <a:lstStyle/>
           <a:p>
-            <a:fld id="{EA0B2E4C-09A0-1C47-AC04-653E7CA38318}" type="datetime1">
+            <a:fld id="{9B488EC4-6210-45B1-8F0D-88ABE951C4B7}" type="datetime5">
               <a:rPr lang="en-US" smtClean="0"/>
-              <a:t>2/8/2017</a:t>
+              <a:t>8-Feb-17</a:t>
             </a:fld>
             <a:endParaRPr lang="en-US"/>
           </a:p>
@@ -4825,6 +5018,29 @@
               <a:rPr lang="pt-BR"/>
               <a:t>Instituto Superior Técnico </a:t>
             </a:r>
+            <a:endParaRPr lang="en-US"/>
+          </a:p>
+        </p:txBody>
+      </p:sp>
+      <p:sp>
+        <p:nvSpPr>
+          <p:cNvPr id="6" name="Slide Number Placeholder 5"/>
+          <p:cNvSpPr>
+            <a:spLocks noGrp="1"/>
+          </p:cNvSpPr>
+          <p:nvPr>
+            <p:ph type="sldNum" sz="quarter" idx="12"/>
+          </p:nvPr>
+        </p:nvSpPr>
+        <p:spPr/>
+        <p:txBody>
+          <a:bodyPr/>
+          <a:lstStyle/>
+          <a:p>
+            <a:fld id="{CA60EF0C-846E-4A4D-B9C3-8238AE181769}" type="slidenum">
+              <a:rPr lang="en-US" smtClean="0"/>
+              <a:t>10</a:t>
+            </a:fld>
             <a:endParaRPr lang="en-US"/>
           </a:p>
         </p:txBody>
@@ -4920,9 +5136,9 @@
           <a:bodyPr/>
           <a:lstStyle/>
           <a:p>
-            <a:fld id="{EA0B2E4C-09A0-1C47-AC04-653E7CA38318}" type="datetime1">
+            <a:fld id="{45A02779-1DD6-4078-B63B-130A15B6875C}" type="datetime5">
               <a:rPr lang="en-US" smtClean="0"/>
-              <a:t>2/8/2017</a:t>
+              <a:t>8-Feb-17</a:t>
             </a:fld>
             <a:endParaRPr lang="en-US"/>
           </a:p>
@@ -5129,6 +5345,29 @@
           </a:p>
         </p:txBody>
       </p:sp>
+      <p:sp>
+        <p:nvSpPr>
+          <p:cNvPr id="3" name="Slide Number Placeholder 2"/>
+          <p:cNvSpPr>
+            <a:spLocks noGrp="1"/>
+          </p:cNvSpPr>
+          <p:nvPr>
+            <p:ph type="sldNum" sz="quarter" idx="12"/>
+          </p:nvPr>
+        </p:nvSpPr>
+        <p:spPr/>
+        <p:txBody>
+          <a:bodyPr/>
+          <a:lstStyle/>
+          <a:p>
+            <a:fld id="{CA60EF0C-846E-4A4D-B9C3-8238AE181769}" type="slidenum">
+              <a:rPr lang="en-US" smtClean="0"/>
+              <a:t>11</a:t>
+            </a:fld>
+            <a:endParaRPr lang="en-US"/>
+          </a:p>
+        </p:txBody>
+      </p:sp>
     </p:spTree>
     <p:extLst>
       <p:ext uri="{BB962C8B-B14F-4D97-AF65-F5344CB8AC3E}">
@@ -5263,9 +5502,9 @@
           <a:bodyPr/>
           <a:lstStyle/>
           <a:p>
-            <a:fld id="{EA0B2E4C-09A0-1C47-AC04-653E7CA38318}" type="datetime1">
+            <a:fld id="{0739BA22-BD50-43E7-9E60-8E13E36D55D1}" type="datetime5">
               <a:rPr lang="en-US" smtClean="0"/>
-              <a:t>2/8/2017</a:t>
+              <a:t>8-Feb-17</a:t>
             </a:fld>
             <a:endParaRPr lang="en-US"/>
           </a:p>
@@ -5290,6 +5529,29 @@
               <a:rPr lang="pt-BR"/>
               <a:t>Instituto Superior Técnico </a:t>
             </a:r>
+            <a:endParaRPr lang="en-US"/>
+          </a:p>
+        </p:txBody>
+      </p:sp>
+      <p:sp>
+        <p:nvSpPr>
+          <p:cNvPr id="6" name="Slide Number Placeholder 5"/>
+          <p:cNvSpPr>
+            <a:spLocks noGrp="1"/>
+          </p:cNvSpPr>
+          <p:nvPr>
+            <p:ph type="sldNum" sz="quarter" idx="12"/>
+          </p:nvPr>
+        </p:nvSpPr>
+        <p:spPr/>
+        <p:txBody>
+          <a:bodyPr/>
+          <a:lstStyle/>
+          <a:p>
+            <a:fld id="{CA60EF0C-846E-4A4D-B9C3-8238AE181769}" type="slidenum">
+              <a:rPr lang="en-US" smtClean="0"/>
+              <a:t>12</a:t>
+            </a:fld>
             <a:endParaRPr lang="en-US"/>
           </a:p>
         </p:txBody>
@@ -5431,9 +5693,9 @@
           <a:bodyPr/>
           <a:lstStyle/>
           <a:p>
-            <a:fld id="{EA0B2E4C-09A0-1C47-AC04-653E7CA38318}" type="datetime1">
+            <a:fld id="{E8701925-6C38-4546-B7EA-3E462C57A723}" type="datetime5">
               <a:rPr lang="en-US" smtClean="0"/>
-              <a:t>2/8/2017</a:t>
+              <a:t>8-Feb-17</a:t>
             </a:fld>
             <a:endParaRPr lang="en-US"/>
           </a:p>
@@ -5458,6 +5720,29 @@
               <a:rPr lang="pt-BR"/>
               <a:t>Instituto Superior Técnico </a:t>
             </a:r>
+            <a:endParaRPr lang="en-US"/>
+          </a:p>
+        </p:txBody>
+      </p:sp>
+      <p:sp>
+        <p:nvSpPr>
+          <p:cNvPr id="6" name="Slide Number Placeholder 5"/>
+          <p:cNvSpPr>
+            <a:spLocks noGrp="1"/>
+          </p:cNvSpPr>
+          <p:nvPr>
+            <p:ph type="sldNum" sz="quarter" idx="12"/>
+          </p:nvPr>
+        </p:nvSpPr>
+        <p:spPr/>
+        <p:txBody>
+          <a:bodyPr/>
+          <a:lstStyle/>
+          <a:p>
+            <a:fld id="{CA60EF0C-846E-4A4D-B9C3-8238AE181769}" type="slidenum">
+              <a:rPr lang="en-US" smtClean="0"/>
+              <a:t>13</a:t>
+            </a:fld>
             <a:endParaRPr lang="en-US"/>
           </a:p>
         </p:txBody>
@@ -5598,9 +5883,9 @@
           <a:bodyPr/>
           <a:lstStyle/>
           <a:p>
-            <a:fld id="{EA0B2E4C-09A0-1C47-AC04-653E7CA38318}" type="datetime1">
+            <a:fld id="{6467BACE-FAC7-475B-8362-5725410E7877}" type="datetime5">
               <a:rPr lang="en-US" smtClean="0"/>
-              <a:t>2/8/2017</a:t>
+              <a:t>8-Feb-17</a:t>
             </a:fld>
             <a:endParaRPr lang="en-US"/>
           </a:p>
@@ -5625,6 +5910,29 @@
               <a:rPr lang="pt-BR"/>
               <a:t>Instituto Superior Técnico </a:t>
             </a:r>
+            <a:endParaRPr lang="en-US"/>
+          </a:p>
+        </p:txBody>
+      </p:sp>
+      <p:sp>
+        <p:nvSpPr>
+          <p:cNvPr id="6" name="Slide Number Placeholder 5"/>
+          <p:cNvSpPr>
+            <a:spLocks noGrp="1"/>
+          </p:cNvSpPr>
+          <p:nvPr>
+            <p:ph type="sldNum" sz="quarter" idx="12"/>
+          </p:nvPr>
+        </p:nvSpPr>
+        <p:spPr/>
+        <p:txBody>
+          <a:bodyPr/>
+          <a:lstStyle/>
+          <a:p>
+            <a:fld id="{CA60EF0C-846E-4A4D-B9C3-8238AE181769}" type="slidenum">
+              <a:rPr lang="en-US" smtClean="0"/>
+              <a:t>14</a:t>
+            </a:fld>
             <a:endParaRPr lang="en-US"/>
           </a:p>
         </p:txBody>
@@ -5746,9 +6054,9 @@
           <a:bodyPr/>
           <a:lstStyle/>
           <a:p>
-            <a:fld id="{EA0B2E4C-09A0-1C47-AC04-653E7CA38318}" type="datetime1">
+            <a:fld id="{12B91A43-1933-4E11-A93A-F2BB3F65CC00}" type="datetime5">
               <a:rPr lang="en-US" smtClean="0"/>
-              <a:t>2/8/2017</a:t>
+              <a:t>8-Feb-17</a:t>
             </a:fld>
             <a:endParaRPr lang="en-US"/>
           </a:p>
@@ -5773,6 +6081,29 @@
               <a:rPr lang="pt-BR"/>
               <a:t>Instituto Superior Técnico </a:t>
             </a:r>
+            <a:endParaRPr lang="en-US"/>
+          </a:p>
+        </p:txBody>
+      </p:sp>
+      <p:sp>
+        <p:nvSpPr>
+          <p:cNvPr id="6" name="Slide Number Placeholder 5"/>
+          <p:cNvSpPr>
+            <a:spLocks noGrp="1"/>
+          </p:cNvSpPr>
+          <p:nvPr>
+            <p:ph type="sldNum" sz="quarter" idx="12"/>
+          </p:nvPr>
+        </p:nvSpPr>
+        <p:spPr/>
+        <p:txBody>
+          <a:bodyPr/>
+          <a:lstStyle/>
+          <a:p>
+            <a:fld id="{CA60EF0C-846E-4A4D-B9C3-8238AE181769}" type="slidenum">
+              <a:rPr lang="en-US" smtClean="0"/>
+              <a:t>15</a:t>
+            </a:fld>
             <a:endParaRPr lang="en-US"/>
           </a:p>
         </p:txBody>
@@ -5870,9 +6201,9 @@
           <a:bodyPr/>
           <a:lstStyle/>
           <a:p>
-            <a:fld id="{EA0B2E4C-09A0-1C47-AC04-653E7CA38318}" type="datetime1">
+            <a:fld id="{F30112B9-D8BF-4A4A-895D-7FE1B9FE258B}" type="datetime5">
               <a:rPr lang="en-US" smtClean="0"/>
-              <a:t>2/8/2017</a:t>
+              <a:t>8-Feb-17</a:t>
             </a:fld>
             <a:endParaRPr lang="en-US"/>
           </a:p>
@@ -5897,6 +6228,29 @@
               <a:rPr lang="pt-BR"/>
               <a:t>Instituto Superior Técnico </a:t>
             </a:r>
+            <a:endParaRPr lang="en-US"/>
+          </a:p>
+        </p:txBody>
+      </p:sp>
+      <p:sp>
+        <p:nvSpPr>
+          <p:cNvPr id="3" name="Slide Number Placeholder 2"/>
+          <p:cNvSpPr>
+            <a:spLocks noGrp="1"/>
+          </p:cNvSpPr>
+          <p:nvPr>
+            <p:ph type="sldNum" sz="quarter" idx="12"/>
+          </p:nvPr>
+        </p:nvSpPr>
+        <p:spPr/>
+        <p:txBody>
+          <a:bodyPr/>
+          <a:lstStyle/>
+          <a:p>
+            <a:fld id="{CA60EF0C-846E-4A4D-B9C3-8238AE181769}" type="slidenum">
+              <a:rPr lang="en-US" smtClean="0"/>
+              <a:t>16</a:t>
+            </a:fld>
             <a:endParaRPr lang="en-US"/>
           </a:p>
         </p:txBody>
@@ -6020,9 +6374,9 @@
           <a:bodyPr/>
           <a:lstStyle/>
           <a:p>
-            <a:fld id="{EA0B2E4C-09A0-1C47-AC04-653E7CA38318}" type="datetime1">
+            <a:fld id="{DA73A5C1-4D15-4A04-BA5C-BC43C65F62A4}" type="datetime5">
               <a:rPr lang="en-US" smtClean="0"/>
-              <a:t>2/8/2017</a:t>
+              <a:t>8-Feb-17</a:t>
             </a:fld>
             <a:endParaRPr lang="en-US"/>
           </a:p>
@@ -6047,6 +6401,29 @@
               <a:rPr lang="pt-BR"/>
               <a:t>Instituto Superior Técnico </a:t>
             </a:r>
+            <a:endParaRPr lang="en-US"/>
+          </a:p>
+        </p:txBody>
+      </p:sp>
+      <p:sp>
+        <p:nvSpPr>
+          <p:cNvPr id="6" name="Slide Number Placeholder 5"/>
+          <p:cNvSpPr>
+            <a:spLocks noGrp="1"/>
+          </p:cNvSpPr>
+          <p:nvPr>
+            <p:ph type="sldNum" sz="quarter" idx="12"/>
+          </p:nvPr>
+        </p:nvSpPr>
+        <p:spPr/>
+        <p:txBody>
+          <a:bodyPr/>
+          <a:lstStyle/>
+          <a:p>
+            <a:fld id="{CA60EF0C-846E-4A4D-B9C3-8238AE181769}" type="slidenum">
+              <a:rPr lang="en-US" smtClean="0"/>
+              <a:t>17</a:t>
+            </a:fld>
             <a:endParaRPr lang="en-US"/>
           </a:p>
         </p:txBody>
@@ -6142,9 +6519,9 @@
           <a:bodyPr/>
           <a:lstStyle/>
           <a:p>
-            <a:fld id="{EA0B2E4C-09A0-1C47-AC04-653E7CA38318}" type="datetime1">
+            <a:fld id="{D2204F16-8D83-4B04-A093-81B47F3D76A4}" type="datetime5">
               <a:rPr lang="en-US" smtClean="0"/>
-              <a:t>2/8/2017</a:t>
+              <a:t>8-Feb-17</a:t>
             </a:fld>
             <a:endParaRPr lang="en-US"/>
           </a:p>
@@ -6169,6 +6546,29 @@
               <a:rPr lang="pt-BR"/>
               <a:t>Instituto Superior Técnico </a:t>
             </a:r>
+            <a:endParaRPr lang="en-US"/>
+          </a:p>
+        </p:txBody>
+      </p:sp>
+      <p:sp>
+        <p:nvSpPr>
+          <p:cNvPr id="3" name="Slide Number Placeholder 2"/>
+          <p:cNvSpPr>
+            <a:spLocks noGrp="1"/>
+          </p:cNvSpPr>
+          <p:nvPr>
+            <p:ph type="sldNum" sz="quarter" idx="12"/>
+          </p:nvPr>
+        </p:nvSpPr>
+        <p:spPr/>
+        <p:txBody>
+          <a:bodyPr/>
+          <a:lstStyle/>
+          <a:p>
+            <a:fld id="{CA60EF0C-846E-4A4D-B9C3-8238AE181769}" type="slidenum">
+              <a:rPr lang="en-US" smtClean="0"/>
+              <a:t>18</a:t>
+            </a:fld>
             <a:endParaRPr lang="en-US"/>
           </a:p>
         </p:txBody>
@@ -6270,7 +6670,7 @@
             </a:r>
             <a:r>
               <a:rPr lang="en-GB" dirty="0"/>
-              <a:t> has players can choose to play as different characters</a:t>
+              <a:t> as players can choose to play as different characters</a:t>
             </a:r>
           </a:p>
           <a:p>
@@ -6302,9 +6702,9 @@
           <a:bodyPr/>
           <a:lstStyle/>
           <a:p>
-            <a:fld id="{EA0B2E4C-09A0-1C47-AC04-653E7CA38318}" type="datetime1">
+            <a:fld id="{5942D963-28E9-4127-B62F-AD6EE1B228CF}" type="datetime5">
               <a:rPr lang="en-US" smtClean="0"/>
-              <a:t>2/8/2017</a:t>
+              <a:t>8-Feb-17</a:t>
             </a:fld>
             <a:endParaRPr lang="en-US"/>
           </a:p>
@@ -6329,6 +6729,29 @@
               <a:rPr lang="pt-BR"/>
               <a:t>Instituto Superior Técnico </a:t>
             </a:r>
+            <a:endParaRPr lang="en-US"/>
+          </a:p>
+        </p:txBody>
+      </p:sp>
+      <p:sp>
+        <p:nvSpPr>
+          <p:cNvPr id="6" name="Slide Number Placeholder 5"/>
+          <p:cNvSpPr>
+            <a:spLocks noGrp="1"/>
+          </p:cNvSpPr>
+          <p:nvPr>
+            <p:ph type="sldNum" sz="quarter" idx="12"/>
+          </p:nvPr>
+        </p:nvSpPr>
+        <p:spPr/>
+        <p:txBody>
+          <a:bodyPr/>
+          <a:lstStyle/>
+          <a:p>
+            <a:fld id="{CA60EF0C-846E-4A4D-B9C3-8238AE181769}" type="slidenum">
+              <a:rPr lang="en-US" smtClean="0"/>
+              <a:t>19</a:t>
+            </a:fld>
             <a:endParaRPr lang="en-US"/>
           </a:p>
         </p:txBody>
@@ -6501,9 +6924,9 @@
           <a:bodyPr/>
           <a:lstStyle/>
           <a:p>
-            <a:fld id="{EA0B2E4C-09A0-1C47-AC04-653E7CA38318}" type="datetime1">
+            <a:fld id="{B4F41A22-31C8-4BA0-BCD8-F6B7F75E0BAA}" type="datetime5">
               <a:rPr lang="en-US" smtClean="0"/>
-              <a:t>2/8/2017</a:t>
+              <a:t>8-Feb-17</a:t>
             </a:fld>
             <a:endParaRPr lang="en-US" dirty="0"/>
           </a:p>
@@ -6528,6 +6951,29 @@
               <a:rPr lang="pt-BR"/>
               <a:t>Instituto Superior Técnico </a:t>
             </a:r>
+            <a:endParaRPr lang="en-US"/>
+          </a:p>
+        </p:txBody>
+      </p:sp>
+      <p:sp>
+        <p:nvSpPr>
+          <p:cNvPr id="6" name="Slide Number Placeholder 5"/>
+          <p:cNvSpPr>
+            <a:spLocks noGrp="1"/>
+          </p:cNvSpPr>
+          <p:nvPr>
+            <p:ph type="sldNum" sz="quarter" idx="12"/>
+          </p:nvPr>
+        </p:nvSpPr>
+        <p:spPr/>
+        <p:txBody>
+          <a:bodyPr/>
+          <a:lstStyle/>
+          <a:p>
+            <a:fld id="{CA60EF0C-846E-4A4D-B9C3-8238AE181769}" type="slidenum">
+              <a:rPr lang="en-US" smtClean="0"/>
+              <a:t>2</a:t>
+            </a:fld>
             <a:endParaRPr lang="en-US"/>
           </a:p>
         </p:txBody>
@@ -6653,9 +7099,9 @@
           <a:bodyPr/>
           <a:lstStyle/>
           <a:p>
-            <a:fld id="{EA0B2E4C-09A0-1C47-AC04-653E7CA38318}" type="datetime1">
+            <a:fld id="{540B91DD-618D-4219-A7DF-37355AFA4EA7}" type="datetime5">
               <a:rPr lang="en-US" smtClean="0"/>
-              <a:t>2/8/2017</a:t>
+              <a:t>8-Feb-17</a:t>
             </a:fld>
             <a:endParaRPr lang="en-US"/>
           </a:p>
@@ -6680,6 +7126,29 @@
               <a:rPr lang="pt-BR"/>
               <a:t>Instituto Superior Técnico </a:t>
             </a:r>
+            <a:endParaRPr lang="en-US"/>
+          </a:p>
+        </p:txBody>
+      </p:sp>
+      <p:sp>
+        <p:nvSpPr>
+          <p:cNvPr id="6" name="Slide Number Placeholder 5"/>
+          <p:cNvSpPr>
+            <a:spLocks noGrp="1"/>
+          </p:cNvSpPr>
+          <p:nvPr>
+            <p:ph type="sldNum" sz="quarter" idx="12"/>
+          </p:nvPr>
+        </p:nvSpPr>
+        <p:spPr/>
+        <p:txBody>
+          <a:bodyPr/>
+          <a:lstStyle/>
+          <a:p>
+            <a:fld id="{CA60EF0C-846E-4A4D-B9C3-8238AE181769}" type="slidenum">
+              <a:rPr lang="en-US" smtClean="0"/>
+              <a:t>20</a:t>
+            </a:fld>
             <a:endParaRPr lang="en-US"/>
           </a:p>
         </p:txBody>
@@ -6775,9 +7244,9 @@
           <a:bodyPr/>
           <a:lstStyle/>
           <a:p>
-            <a:fld id="{EA0B2E4C-09A0-1C47-AC04-653E7CA38318}" type="datetime1">
+            <a:fld id="{9B6F202A-DB87-4A32-B55A-89C151E602AF}" type="datetime5">
               <a:rPr lang="en-US" smtClean="0"/>
-              <a:t>2/8/2017</a:t>
+              <a:t>8-Feb-17</a:t>
             </a:fld>
             <a:endParaRPr lang="en-US"/>
           </a:p>
@@ -6802,6 +7271,29 @@
               <a:rPr lang="pt-BR"/>
               <a:t>Instituto Superior Técnico </a:t>
             </a:r>
+            <a:endParaRPr lang="en-US"/>
+          </a:p>
+        </p:txBody>
+      </p:sp>
+      <p:sp>
+        <p:nvSpPr>
+          <p:cNvPr id="3" name="Slide Number Placeholder 2"/>
+          <p:cNvSpPr>
+            <a:spLocks noGrp="1"/>
+          </p:cNvSpPr>
+          <p:nvPr>
+            <p:ph type="sldNum" sz="quarter" idx="12"/>
+          </p:nvPr>
+        </p:nvSpPr>
+        <p:spPr/>
+        <p:txBody>
+          <a:bodyPr/>
+          <a:lstStyle/>
+          <a:p>
+            <a:fld id="{CA60EF0C-846E-4A4D-B9C3-8238AE181769}" type="slidenum">
+              <a:rPr lang="en-US" smtClean="0"/>
+              <a:t>21</a:t>
+            </a:fld>
             <a:endParaRPr lang="en-US"/>
           </a:p>
         </p:txBody>
@@ -6905,9 +7397,9 @@
           <a:bodyPr/>
           <a:lstStyle/>
           <a:p>
-            <a:fld id="{EA0B2E4C-09A0-1C47-AC04-653E7CA38318}" type="datetime1">
+            <a:fld id="{B5196D12-73EE-4115-BFB1-B8B82A1F11D9}" type="datetime5">
               <a:rPr lang="en-US" smtClean="0"/>
-              <a:t>2/8/2017</a:t>
+              <a:t>8-Feb-17</a:t>
             </a:fld>
             <a:endParaRPr lang="en-US"/>
           </a:p>
@@ -6932,6 +7424,29 @@
               <a:rPr lang="pt-BR"/>
               <a:t>Instituto Superior Técnico </a:t>
             </a:r>
+            <a:endParaRPr lang="en-US"/>
+          </a:p>
+        </p:txBody>
+      </p:sp>
+      <p:sp>
+        <p:nvSpPr>
+          <p:cNvPr id="6" name="Slide Number Placeholder 5"/>
+          <p:cNvSpPr>
+            <a:spLocks noGrp="1"/>
+          </p:cNvSpPr>
+          <p:nvPr>
+            <p:ph type="sldNum" sz="quarter" idx="12"/>
+          </p:nvPr>
+        </p:nvSpPr>
+        <p:spPr/>
+        <p:txBody>
+          <a:bodyPr/>
+          <a:lstStyle/>
+          <a:p>
+            <a:fld id="{CA60EF0C-846E-4A4D-B9C3-8238AE181769}" type="slidenum">
+              <a:rPr lang="en-US" smtClean="0"/>
+              <a:t>22</a:t>
+            </a:fld>
             <a:endParaRPr lang="en-US"/>
           </a:p>
         </p:txBody>
@@ -7005,9 +7520,9 @@
           <a:bodyPr/>
           <a:lstStyle/>
           <a:p>
-            <a:fld id="{EA0B2E4C-09A0-1C47-AC04-653E7CA38318}" type="datetime1">
+            <a:fld id="{B84C5AA2-0ACC-40AD-B10C-BE481F694957}" type="datetime5">
               <a:rPr lang="en-US" smtClean="0"/>
-              <a:t>2/8/2017</a:t>
+              <a:t>8-Feb-17</a:t>
             </a:fld>
             <a:endParaRPr lang="en-US"/>
           </a:p>
@@ -7080,6 +7595,29 @@
           </a:p>
           <a:p>
             <a:endParaRPr lang="en-GB" dirty="0"/>
+          </a:p>
+        </p:txBody>
+      </p:sp>
+      <p:sp>
+        <p:nvSpPr>
+          <p:cNvPr id="3" name="Slide Number Placeholder 2"/>
+          <p:cNvSpPr>
+            <a:spLocks noGrp="1"/>
+          </p:cNvSpPr>
+          <p:nvPr>
+            <p:ph type="sldNum" sz="quarter" idx="12"/>
+          </p:nvPr>
+        </p:nvSpPr>
+        <p:spPr/>
+        <p:txBody>
+          <a:bodyPr/>
+          <a:lstStyle/>
+          <a:p>
+            <a:fld id="{CA60EF0C-846E-4A4D-B9C3-8238AE181769}" type="slidenum">
+              <a:rPr lang="en-US" smtClean="0"/>
+              <a:t>23</a:t>
+            </a:fld>
+            <a:endParaRPr lang="en-US"/>
           </a:p>
         </p:txBody>
       </p:sp>
@@ -7151,9 +7689,9 @@
           <a:bodyPr/>
           <a:lstStyle/>
           <a:p>
-            <a:fld id="{EA0B2E4C-09A0-1C47-AC04-653E7CA38318}" type="datetime1">
+            <a:fld id="{44C541BE-980A-40B3-8784-B95B1EF36E48}" type="datetime5">
               <a:rPr lang="en-US" smtClean="0"/>
-              <a:t>2/8/2017</a:t>
+              <a:t>8-Feb-17</a:t>
             </a:fld>
             <a:endParaRPr lang="en-US"/>
           </a:p>
@@ -7178,6 +7716,29 @@
               <a:rPr lang="pt-BR"/>
               <a:t>Instituto Superior Técnico </a:t>
             </a:r>
+            <a:endParaRPr lang="en-US"/>
+          </a:p>
+        </p:txBody>
+      </p:sp>
+      <p:sp>
+        <p:nvSpPr>
+          <p:cNvPr id="2" name="Slide Number Placeholder 1"/>
+          <p:cNvSpPr>
+            <a:spLocks noGrp="1"/>
+          </p:cNvSpPr>
+          <p:nvPr>
+            <p:ph type="sldNum" sz="quarter" idx="12"/>
+          </p:nvPr>
+        </p:nvSpPr>
+        <p:spPr/>
+        <p:txBody>
+          <a:bodyPr/>
+          <a:lstStyle/>
+          <a:p>
+            <a:fld id="{CA60EF0C-846E-4A4D-B9C3-8238AE181769}" type="slidenum">
+              <a:rPr lang="en-US" smtClean="0"/>
+              <a:t>24</a:t>
+            </a:fld>
             <a:endParaRPr lang="en-US"/>
           </a:p>
         </p:txBody>
@@ -7274,9 +7835,9 @@
           <a:bodyPr/>
           <a:lstStyle/>
           <a:p>
-            <a:fld id="{EA0B2E4C-09A0-1C47-AC04-653E7CA38318}" type="datetime1">
+            <a:fld id="{608A6B8B-5248-4830-A02C-31A35408DAD1}" type="datetime5">
               <a:rPr lang="en-US" smtClean="0"/>
-              <a:t>2/8/2017</a:t>
+              <a:t>8-Feb-17</a:t>
             </a:fld>
             <a:endParaRPr lang="en-US"/>
           </a:p>
@@ -7301,6 +7862,29 @@
               <a:rPr lang="pt-BR"/>
               <a:t>Instituto Superior Técnico </a:t>
             </a:r>
+            <a:endParaRPr lang="en-US"/>
+          </a:p>
+        </p:txBody>
+      </p:sp>
+      <p:sp>
+        <p:nvSpPr>
+          <p:cNvPr id="3" name="Slide Number Placeholder 2"/>
+          <p:cNvSpPr>
+            <a:spLocks noGrp="1"/>
+          </p:cNvSpPr>
+          <p:nvPr>
+            <p:ph type="sldNum" sz="quarter" idx="12"/>
+          </p:nvPr>
+        </p:nvSpPr>
+        <p:spPr/>
+        <p:txBody>
+          <a:bodyPr/>
+          <a:lstStyle/>
+          <a:p>
+            <a:fld id="{CA60EF0C-846E-4A4D-B9C3-8238AE181769}" type="slidenum">
+              <a:rPr lang="en-US" smtClean="0"/>
+              <a:t>25</a:t>
+            </a:fld>
             <a:endParaRPr lang="en-US"/>
           </a:p>
         </p:txBody>
@@ -7403,9 +7987,9 @@
           <a:bodyPr/>
           <a:lstStyle/>
           <a:p>
-            <a:fld id="{EA0B2E4C-09A0-1C47-AC04-653E7CA38318}" type="datetime1">
+            <a:fld id="{54D4AEB6-2B73-4E1C-846B-C0321BB5F08F}" type="datetime5">
               <a:rPr lang="en-US" smtClean="0"/>
-              <a:t>2/8/2017</a:t>
+              <a:t>8-Feb-17</a:t>
             </a:fld>
             <a:endParaRPr lang="en-US"/>
           </a:p>
@@ -7430,6 +8014,29 @@
               <a:rPr lang="pt-BR"/>
               <a:t>Instituto Superior Técnico </a:t>
             </a:r>
+            <a:endParaRPr lang="en-US"/>
+          </a:p>
+        </p:txBody>
+      </p:sp>
+      <p:sp>
+        <p:nvSpPr>
+          <p:cNvPr id="6" name="Slide Number Placeholder 5"/>
+          <p:cNvSpPr>
+            <a:spLocks noGrp="1"/>
+          </p:cNvSpPr>
+          <p:nvPr>
+            <p:ph type="sldNum" sz="quarter" idx="12"/>
+          </p:nvPr>
+        </p:nvSpPr>
+        <p:spPr/>
+        <p:txBody>
+          <a:bodyPr/>
+          <a:lstStyle/>
+          <a:p>
+            <a:fld id="{CA60EF0C-846E-4A4D-B9C3-8238AE181769}" type="slidenum">
+              <a:rPr lang="en-US" smtClean="0"/>
+              <a:t>26</a:t>
+            </a:fld>
             <a:endParaRPr lang="en-US"/>
           </a:p>
         </p:txBody>
@@ -7526,9 +8133,9 @@
           <a:bodyPr/>
           <a:lstStyle/>
           <a:p>
-            <a:fld id="{EA0B2E4C-09A0-1C47-AC04-653E7CA38318}" type="datetime1">
+            <a:fld id="{AE02DF55-6BCE-49EA-9390-14B516C23BFA}" type="datetime5">
               <a:rPr lang="en-US" smtClean="0"/>
-              <a:t>2/8/2017</a:t>
+              <a:t>8-Feb-17</a:t>
             </a:fld>
             <a:endParaRPr lang="en-US"/>
           </a:p>
@@ -7553,6 +8160,29 @@
               <a:rPr lang="pt-BR"/>
               <a:t>Instituto Superior Técnico </a:t>
             </a:r>
+            <a:endParaRPr lang="en-US"/>
+          </a:p>
+        </p:txBody>
+      </p:sp>
+      <p:sp>
+        <p:nvSpPr>
+          <p:cNvPr id="3" name="Slide Number Placeholder 2"/>
+          <p:cNvSpPr>
+            <a:spLocks noGrp="1"/>
+          </p:cNvSpPr>
+          <p:nvPr>
+            <p:ph type="sldNum" sz="quarter" idx="12"/>
+          </p:nvPr>
+        </p:nvSpPr>
+        <p:spPr/>
+        <p:txBody>
+          <a:bodyPr/>
+          <a:lstStyle/>
+          <a:p>
+            <a:fld id="{CA60EF0C-846E-4A4D-B9C3-8238AE181769}" type="slidenum">
+              <a:rPr lang="en-US" smtClean="0"/>
+              <a:t>27</a:t>
+            </a:fld>
             <a:endParaRPr lang="en-US"/>
           </a:p>
         </p:txBody>
@@ -7630,9 +8260,9 @@
           <a:bodyPr/>
           <a:lstStyle/>
           <a:p>
-            <a:fld id="{EA0B2E4C-09A0-1C47-AC04-653E7CA38318}" type="datetime1">
+            <a:fld id="{64B3C8BF-D189-487D-B5E8-E72E8C462F22}" type="datetime5">
               <a:rPr lang="en-US" smtClean="0"/>
-              <a:t>2/8/2017</a:t>
+              <a:t>8-Feb-17</a:t>
             </a:fld>
             <a:endParaRPr lang="en-US"/>
           </a:p>
@@ -7657,6 +8287,29 @@
               <a:rPr lang="pt-BR"/>
               <a:t>Instituto Superior Técnico </a:t>
             </a:r>
+            <a:endParaRPr lang="en-US"/>
+          </a:p>
+        </p:txBody>
+      </p:sp>
+      <p:sp>
+        <p:nvSpPr>
+          <p:cNvPr id="3" name="Slide Number Placeholder 2"/>
+          <p:cNvSpPr>
+            <a:spLocks noGrp="1"/>
+          </p:cNvSpPr>
+          <p:nvPr>
+            <p:ph type="sldNum" sz="quarter" idx="12"/>
+          </p:nvPr>
+        </p:nvSpPr>
+        <p:spPr/>
+        <p:txBody>
+          <a:bodyPr/>
+          <a:lstStyle/>
+          <a:p>
+            <a:fld id="{CA60EF0C-846E-4A4D-B9C3-8238AE181769}" type="slidenum">
+              <a:rPr lang="en-US" smtClean="0"/>
+              <a:t>28</a:t>
+            </a:fld>
             <a:endParaRPr lang="en-US"/>
           </a:p>
         </p:txBody>
@@ -7747,9 +8400,9 @@
           <a:bodyPr/>
           <a:lstStyle/>
           <a:p>
-            <a:fld id="{EA0B2E4C-09A0-1C47-AC04-653E7CA38318}" type="datetime1">
+            <a:fld id="{8B9A5B10-C5DB-47E6-97B2-1C0325007C83}" type="datetime5">
               <a:rPr lang="en-US" smtClean="0"/>
-              <a:t>2/8/2017</a:t>
+              <a:t>8-Feb-17</a:t>
             </a:fld>
             <a:endParaRPr lang="en-US"/>
           </a:p>
@@ -7774,6 +8427,29 @@
               <a:rPr lang="pt-BR"/>
               <a:t>Instituto Superior Técnico </a:t>
             </a:r>
+            <a:endParaRPr lang="en-US"/>
+          </a:p>
+        </p:txBody>
+      </p:sp>
+      <p:sp>
+        <p:nvSpPr>
+          <p:cNvPr id="6" name="Slide Number Placeholder 5"/>
+          <p:cNvSpPr>
+            <a:spLocks noGrp="1"/>
+          </p:cNvSpPr>
+          <p:nvPr>
+            <p:ph type="sldNum" sz="quarter" idx="12"/>
+          </p:nvPr>
+        </p:nvSpPr>
+        <p:spPr/>
+        <p:txBody>
+          <a:bodyPr/>
+          <a:lstStyle/>
+          <a:p>
+            <a:fld id="{CA60EF0C-846E-4A4D-B9C3-8238AE181769}" type="slidenum">
+              <a:rPr lang="en-US" smtClean="0"/>
+              <a:t>3</a:t>
+            </a:fld>
             <a:endParaRPr lang="en-US"/>
           </a:p>
         </p:txBody>
@@ -7868,9 +8544,9 @@
           <a:bodyPr/>
           <a:lstStyle/>
           <a:p>
-            <a:fld id="{EA0B2E4C-09A0-1C47-AC04-653E7CA38318}" type="datetime1">
+            <a:fld id="{75EA5C41-17C9-49EC-AFBB-E751EA105DC2}" type="datetime5">
               <a:rPr lang="en-US" smtClean="0"/>
-              <a:t>2/8/2017</a:t>
+              <a:t>8-Feb-17</a:t>
             </a:fld>
             <a:endParaRPr lang="en-US"/>
           </a:p>
@@ -7895,6 +8571,29 @@
               <a:rPr lang="pt-BR"/>
               <a:t>Instituto Superior Técnico </a:t>
             </a:r>
+            <a:endParaRPr lang="en-US"/>
+          </a:p>
+        </p:txBody>
+      </p:sp>
+      <p:sp>
+        <p:nvSpPr>
+          <p:cNvPr id="3" name="Slide Number Placeholder 2"/>
+          <p:cNvSpPr>
+            <a:spLocks noGrp="1"/>
+          </p:cNvSpPr>
+          <p:nvPr>
+            <p:ph type="sldNum" sz="quarter" idx="12"/>
+          </p:nvPr>
+        </p:nvSpPr>
+        <p:spPr/>
+        <p:txBody>
+          <a:bodyPr/>
+          <a:lstStyle/>
+          <a:p>
+            <a:fld id="{CA60EF0C-846E-4A4D-B9C3-8238AE181769}" type="slidenum">
+              <a:rPr lang="en-US" smtClean="0"/>
+              <a:t>4</a:t>
+            </a:fld>
             <a:endParaRPr lang="en-US"/>
           </a:p>
         </p:txBody>
@@ -7988,9 +8687,9 @@
           <a:bodyPr/>
           <a:lstStyle/>
           <a:p>
-            <a:fld id="{EA0B2E4C-09A0-1C47-AC04-653E7CA38318}" type="datetime1">
+            <a:fld id="{EDA291EE-9CD2-4272-B44B-6BE041A53DB6}" type="datetime5">
               <a:rPr lang="en-US" smtClean="0"/>
-              <a:t>2/8/2017</a:t>
+              <a:t>8-Feb-17</a:t>
             </a:fld>
             <a:endParaRPr lang="en-US"/>
           </a:p>
@@ -8015,6 +8714,29 @@
               <a:rPr lang="pt-BR"/>
               <a:t>Instituto Superior Técnico </a:t>
             </a:r>
+            <a:endParaRPr lang="en-US"/>
+          </a:p>
+        </p:txBody>
+      </p:sp>
+      <p:sp>
+        <p:nvSpPr>
+          <p:cNvPr id="3" name="Slide Number Placeholder 2"/>
+          <p:cNvSpPr>
+            <a:spLocks noGrp="1"/>
+          </p:cNvSpPr>
+          <p:nvPr>
+            <p:ph type="sldNum" sz="quarter" idx="12"/>
+          </p:nvPr>
+        </p:nvSpPr>
+        <p:spPr/>
+        <p:txBody>
+          <a:bodyPr/>
+          <a:lstStyle/>
+          <a:p>
+            <a:fld id="{CA60EF0C-846E-4A4D-B9C3-8238AE181769}" type="slidenum">
+              <a:rPr lang="en-US" smtClean="0"/>
+              <a:t>5</a:t>
+            </a:fld>
             <a:endParaRPr lang="en-US"/>
           </a:p>
         </p:txBody>
@@ -8111,9 +8833,9 @@
           <a:bodyPr/>
           <a:lstStyle/>
           <a:p>
-            <a:fld id="{EA0B2E4C-09A0-1C47-AC04-653E7CA38318}" type="datetime1">
+            <a:fld id="{D1E666D6-9AC0-435F-93CA-9A5456762D1A}" type="datetime5">
               <a:rPr lang="en-US" smtClean="0"/>
-              <a:t>2/8/2017</a:t>
+              <a:t>8-Feb-17</a:t>
             </a:fld>
             <a:endParaRPr lang="en-US"/>
           </a:p>
@@ -8138,6 +8860,29 @@
               <a:rPr lang="pt-BR"/>
               <a:t>Instituto Superior Técnico </a:t>
             </a:r>
+            <a:endParaRPr lang="en-US"/>
+          </a:p>
+        </p:txBody>
+      </p:sp>
+      <p:sp>
+        <p:nvSpPr>
+          <p:cNvPr id="3" name="Slide Number Placeholder 2"/>
+          <p:cNvSpPr>
+            <a:spLocks noGrp="1"/>
+          </p:cNvSpPr>
+          <p:nvPr>
+            <p:ph type="sldNum" sz="quarter" idx="12"/>
+          </p:nvPr>
+        </p:nvSpPr>
+        <p:spPr/>
+        <p:txBody>
+          <a:bodyPr/>
+          <a:lstStyle/>
+          <a:p>
+            <a:fld id="{CA60EF0C-846E-4A4D-B9C3-8238AE181769}" type="slidenum">
+              <a:rPr lang="en-US" smtClean="0"/>
+              <a:t>6</a:t>
+            </a:fld>
             <a:endParaRPr lang="en-US"/>
           </a:p>
         </p:txBody>
@@ -8211,9 +8956,9 @@
           <a:bodyPr/>
           <a:lstStyle/>
           <a:p>
-            <a:fld id="{EA0B2E4C-09A0-1C47-AC04-653E7CA38318}" type="datetime1">
+            <a:fld id="{4F30430E-0312-4A81-8353-BFBEC7C5B8AB}" type="datetime5">
               <a:rPr lang="en-US" smtClean="0"/>
-              <a:t>2/8/2017</a:t>
+              <a:t>8-Feb-17</a:t>
             </a:fld>
             <a:endParaRPr lang="en-US"/>
           </a:p>
@@ -8265,6 +9010,29 @@
           </a:xfrm>
         </p:spPr>
       </p:pic>
+      <p:sp>
+        <p:nvSpPr>
+          <p:cNvPr id="3" name="Slide Number Placeholder 2"/>
+          <p:cNvSpPr>
+            <a:spLocks noGrp="1"/>
+          </p:cNvSpPr>
+          <p:nvPr>
+            <p:ph type="sldNum" sz="quarter" idx="12"/>
+          </p:nvPr>
+        </p:nvSpPr>
+        <p:spPr/>
+        <p:txBody>
+          <a:bodyPr/>
+          <a:lstStyle/>
+          <a:p>
+            <a:fld id="{CA60EF0C-846E-4A4D-B9C3-8238AE181769}" type="slidenum">
+              <a:rPr lang="en-US" smtClean="0"/>
+              <a:t>7</a:t>
+            </a:fld>
+            <a:endParaRPr lang="en-US"/>
+          </a:p>
+        </p:txBody>
+      </p:sp>
     </p:spTree>
     <p:extLst>
       <p:ext uri="{BB962C8B-B14F-4D97-AF65-F5344CB8AC3E}">
@@ -8362,9 +9130,9 @@
           <a:bodyPr/>
           <a:lstStyle/>
           <a:p>
-            <a:fld id="{EA0B2E4C-09A0-1C47-AC04-653E7CA38318}" type="datetime1">
+            <a:fld id="{8FA403E6-D1E8-476F-93CF-130890DA1CD8}" type="datetime5">
               <a:rPr lang="en-US" smtClean="0"/>
-              <a:t>2/8/2017</a:t>
+              <a:t>8-Feb-17</a:t>
             </a:fld>
             <a:endParaRPr lang="en-US"/>
           </a:p>
@@ -8389,6 +9157,29 @@
               <a:rPr lang="pt-BR"/>
               <a:t>Instituto Superior Técnico </a:t>
             </a:r>
+            <a:endParaRPr lang="en-US"/>
+          </a:p>
+        </p:txBody>
+      </p:sp>
+      <p:sp>
+        <p:nvSpPr>
+          <p:cNvPr id="6" name="Slide Number Placeholder 5"/>
+          <p:cNvSpPr>
+            <a:spLocks noGrp="1"/>
+          </p:cNvSpPr>
+          <p:nvPr>
+            <p:ph type="sldNum" sz="quarter" idx="12"/>
+          </p:nvPr>
+        </p:nvSpPr>
+        <p:spPr/>
+        <p:txBody>
+          <a:bodyPr/>
+          <a:lstStyle/>
+          <a:p>
+            <a:fld id="{CA60EF0C-846E-4A4D-B9C3-8238AE181769}" type="slidenum">
+              <a:rPr lang="en-US" smtClean="0"/>
+              <a:t>8</a:t>
+            </a:fld>
             <a:endParaRPr lang="en-US"/>
           </a:p>
         </p:txBody>
@@ -8490,9 +9281,9 @@
           <a:bodyPr/>
           <a:lstStyle/>
           <a:p>
-            <a:fld id="{EA0B2E4C-09A0-1C47-AC04-653E7CA38318}" type="datetime1">
+            <a:fld id="{A79CC695-9267-4A86-BD94-22867ED22CE7}" type="datetime5">
               <a:rPr lang="en-US" smtClean="0"/>
-              <a:t>2/8/2017</a:t>
+              <a:t>8-Feb-17</a:t>
             </a:fld>
             <a:endParaRPr lang="en-US"/>
           </a:p>
@@ -8517,6 +9308,29 @@
               <a:rPr lang="pt-BR"/>
               <a:t>Instituto Superior Técnico </a:t>
             </a:r>
+            <a:endParaRPr lang="en-US"/>
+          </a:p>
+        </p:txBody>
+      </p:sp>
+      <p:sp>
+        <p:nvSpPr>
+          <p:cNvPr id="3" name="Slide Number Placeholder 2"/>
+          <p:cNvSpPr>
+            <a:spLocks noGrp="1"/>
+          </p:cNvSpPr>
+          <p:nvPr>
+            <p:ph type="sldNum" sz="quarter" idx="12"/>
+          </p:nvPr>
+        </p:nvSpPr>
+        <p:spPr/>
+        <p:txBody>
+          <a:bodyPr/>
+          <a:lstStyle/>
+          <a:p>
+            <a:fld id="{CA60EF0C-846E-4A4D-B9C3-8238AE181769}" type="slidenum">
+              <a:rPr lang="en-US" smtClean="0"/>
+              <a:t>9</a:t>
+            </a:fld>
             <a:endParaRPr lang="en-US"/>
           </a:p>
         </p:txBody>
@@ -9145,4 +9959,299 @@
     </a:ext>
   </a:extLst>
 </a:theme>
+</file>
+
+<file path=ppt/theme/theme3.xml><?xml version="1.0" encoding="utf-8"?>
+<a:theme xmlns:a="http://schemas.openxmlformats.org/drawingml/2006/main" name="Office Theme">
+  <a:themeElements>
+    <a:clrScheme name="Office">
+      <a:dk1>
+        <a:sysClr val="windowText" lastClr="000000"/>
+      </a:dk1>
+      <a:lt1>
+        <a:sysClr val="window" lastClr="FFFFFF"/>
+      </a:lt1>
+      <a:dk2>
+        <a:srgbClr val="44546A"/>
+      </a:dk2>
+      <a:lt2>
+        <a:srgbClr val="E7E6E6"/>
+      </a:lt2>
+      <a:accent1>
+        <a:srgbClr val="4472C4"/>
+      </a:accent1>
+      <a:accent2>
+        <a:srgbClr val="ED7D31"/>
+      </a:accent2>
+      <a:accent3>
+        <a:srgbClr val="A5A5A5"/>
+      </a:accent3>
+      <a:accent4>
+        <a:srgbClr val="FFC000"/>
+      </a:accent4>
+      <a:accent5>
+        <a:srgbClr val="5B9BD5"/>
+      </a:accent5>
+      <a:accent6>
+        <a:srgbClr val="70AD47"/>
+      </a:accent6>
+      <a:hlink>
+        <a:srgbClr val="0563C1"/>
+      </a:hlink>
+      <a:folHlink>
+        <a:srgbClr val="954F72"/>
+      </a:folHlink>
+    </a:clrScheme>
+    <a:fontScheme name="Office">
+      <a:majorFont>
+        <a:latin typeface="Calibri Light" panose="020F0302020204030204"/>
+        <a:ea typeface=""/>
+        <a:cs typeface=""/>
+        <a:font script="Jpan" typeface="游ゴシック Light"/>
+        <a:font script="Hang" typeface="맑은 고딕"/>
+        <a:font script="Hans" typeface="等线 Light"/>
+        <a:font script="Hant" typeface="新細明體"/>
+        <a:font script="Arab" typeface="Times New Roman"/>
+        <a:font script="Hebr" typeface="Times New Roman"/>
+        <a:font script="Thai" typeface="Angsana New"/>
+        <a:font script="Ethi" typeface="Nyala"/>
+        <a:font script="Beng" typeface="Vrinda"/>
+        <a:font script="Gujr" typeface="Shruti"/>
+        <a:font script="Khmr" typeface="MoolBoran"/>
+        <a:font script="Knda" typeface="Tunga"/>
+        <a:font script="Guru" typeface="Raavi"/>
+        <a:font script="Cans" typeface="Euphemia"/>
+        <a:font script="Cher" typeface="Plantagenet Cherokee"/>
+        <a:font script="Yiii" typeface="Microsoft Yi Baiti"/>
+        <a:font script="Tibt" typeface="Microsoft Himalaya"/>
+        <a:font script="Thaa" typeface="MV Boli"/>
+        <a:font script="Deva" typeface="Mangal"/>
+        <a:font script="Telu" typeface="Gautami"/>
+        <a:font script="Taml" typeface="Latha"/>
+        <a:font script="Syrc" typeface="Estrangelo Edessa"/>
+        <a:font script="Orya" typeface="Kalinga"/>
+        <a:font script="Mlym" typeface="Kartika"/>
+        <a:font script="Laoo" typeface="DokChampa"/>
+        <a:font script="Sinh" typeface="Iskoola Pota"/>
+        <a:font script="Mong" typeface="Mongolian Baiti"/>
+        <a:font script="Viet" typeface="Times New Roman"/>
+        <a:font script="Uigh" typeface="Microsoft Uighur"/>
+        <a:font script="Geor" typeface="Sylfaen"/>
+        <a:font script="Armn" typeface="Arial"/>
+        <a:font script="Bugi" typeface="Leelawadee UI"/>
+        <a:font script="Bopo" typeface="Microsoft JhengHei"/>
+        <a:font script="Java" typeface="Javanese Text"/>
+        <a:font script="Lisu" typeface="Segoe UI"/>
+        <a:font script="Mymr" typeface="Myanmar Text"/>
+        <a:font script="Nkoo" typeface="Ebrima"/>
+        <a:font script="Olck" typeface="Nirmala UI"/>
+        <a:font script="Osma" typeface="Ebrima"/>
+        <a:font script="Phag" typeface="Phagspa"/>
+        <a:font script="Syrn" typeface="Estrangelo Edessa"/>
+        <a:font script="Syrj" typeface="Estrangelo Edessa"/>
+        <a:font script="Syre" typeface="Estrangelo Edessa"/>
+        <a:font script="Sora" typeface="Nirmala UI"/>
+        <a:font script="Tale" typeface="Microsoft Tai Le"/>
+        <a:font script="Talu" typeface="Microsoft New Tai Lue"/>
+        <a:font script="Tfng" typeface="Ebrima"/>
+      </a:majorFont>
+      <a:minorFont>
+        <a:latin typeface="Calibri" panose="020F0502020204030204"/>
+        <a:ea typeface=""/>
+        <a:cs typeface=""/>
+        <a:font script="Jpan" typeface="游ゴシック"/>
+        <a:font script="Hang" typeface="맑은 고딕"/>
+        <a:font script="Hans" typeface="等线"/>
+        <a:font script="Hant" typeface="新細明體"/>
+        <a:font script="Arab" typeface="Arial"/>
+        <a:font script="Hebr" typeface="Arial"/>
+        <a:font script="Thai" typeface="Cordia New"/>
+        <a:font script="Ethi" typeface="Nyala"/>
+        <a:font script="Beng" typeface="Vrinda"/>
+        <a:font script="Gujr" typeface="Shruti"/>
+        <a:font script="Khmr" typeface="DaunPenh"/>
+        <a:font script="Knda" typeface="Tunga"/>
+        <a:font script="Guru" typeface="Raavi"/>
+        <a:font script="Cans" typeface="Euphemia"/>
+        <a:font script="Cher" typeface="Plantagenet Cherokee"/>
+        <a:font script="Yiii" typeface="Microsoft Yi Baiti"/>
+        <a:font script="Tibt" typeface="Microsoft Himalaya"/>
+        <a:font script="Thaa" typeface="MV Boli"/>
+        <a:font script="Deva" typeface="Mangal"/>
+        <a:font script="Telu" typeface="Gautami"/>
+        <a:font script="Taml" typeface="Latha"/>
+        <a:font script="Syrc" typeface="Estrangelo Edessa"/>
+        <a:font script="Orya" typeface="Kalinga"/>
+        <a:font script="Mlym" typeface="Kartika"/>
+        <a:font script="Laoo" typeface="DokChampa"/>
+        <a:font script="Sinh" typeface="Iskoola Pota"/>
+        <a:font script="Mong" typeface="Mongolian Baiti"/>
+        <a:font script="Viet" typeface="Arial"/>
+        <a:font script="Uigh" typeface="Microsoft Uighur"/>
+        <a:font script="Geor" typeface="Sylfaen"/>
+        <a:font script="Armn" typeface="Arial"/>
+        <a:font script="Bugi" typeface="Leelawadee UI"/>
+        <a:font script="Bopo" typeface="Microsoft JhengHei"/>
+        <a:font script="Java" typeface="Javanese Text"/>
+        <a:font script="Lisu" typeface="Segoe UI"/>
+        <a:font script="Mymr" typeface="Myanmar Text"/>
+        <a:font script="Nkoo" typeface="Ebrima"/>
+        <a:font script="Olck" typeface="Nirmala UI"/>
+        <a:font script="Osma" typeface="Ebrima"/>
+        <a:font script="Phag" typeface="Phagspa"/>
+        <a:font script="Syrn" typeface="Estrangelo Edessa"/>
+        <a:font script="Syrj" typeface="Estrangelo Edessa"/>
+        <a:font script="Syre" typeface="Estrangelo Edessa"/>
+        <a:font script="Sora" typeface="Nirmala UI"/>
+        <a:font script="Tale" typeface="Microsoft Tai Le"/>
+        <a:font script="Talu" typeface="Microsoft New Tai Lue"/>
+        <a:font script="Tfng" typeface="Ebrima"/>
+      </a:minorFont>
+    </a:fontScheme>
+    <a:fmtScheme name="Office">
+      <a:fillStyleLst>
+        <a:solidFill>
+          <a:schemeClr val="phClr"/>
+        </a:solidFill>
+        <a:gradFill rotWithShape="1">
+          <a:gsLst>
+            <a:gs pos="0">
+              <a:schemeClr val="phClr">
+                <a:lumMod val="110000"/>
+                <a:satMod val="105000"/>
+                <a:tint val="67000"/>
+              </a:schemeClr>
+            </a:gs>
+            <a:gs pos="50000">
+              <a:schemeClr val="phClr">
+                <a:lumMod val="105000"/>
+                <a:satMod val="103000"/>
+                <a:tint val="73000"/>
+              </a:schemeClr>
+            </a:gs>
+            <a:gs pos="100000">
+              <a:schemeClr val="phClr">
+                <a:lumMod val="105000"/>
+                <a:satMod val="109000"/>
+                <a:tint val="81000"/>
+              </a:schemeClr>
+            </a:gs>
+          </a:gsLst>
+          <a:lin ang="5400000" scaled="0"/>
+        </a:gradFill>
+        <a:gradFill rotWithShape="1">
+          <a:gsLst>
+            <a:gs pos="0">
+              <a:schemeClr val="phClr">
+                <a:satMod val="103000"/>
+                <a:lumMod val="102000"/>
+                <a:tint val="94000"/>
+              </a:schemeClr>
+            </a:gs>
+            <a:gs pos="50000">
+              <a:schemeClr val="phClr">
+                <a:satMod val="110000"/>
+                <a:lumMod val="100000"/>
+                <a:shade val="100000"/>
+              </a:schemeClr>
+            </a:gs>
+            <a:gs pos="100000">
+              <a:schemeClr val="phClr">
+                <a:lumMod val="99000"/>
+                <a:satMod val="120000"/>
+                <a:shade val="78000"/>
+              </a:schemeClr>
+            </a:gs>
+          </a:gsLst>
+          <a:lin ang="5400000" scaled="0"/>
+        </a:gradFill>
+      </a:fillStyleLst>
+      <a:lnStyleLst>
+        <a:ln w="6350" cap="flat" cmpd="sng" algn="ctr">
+          <a:solidFill>
+            <a:schemeClr val="phClr"/>
+          </a:solidFill>
+          <a:prstDash val="solid"/>
+          <a:miter lim="800000"/>
+        </a:ln>
+        <a:ln w="12700" cap="flat" cmpd="sng" algn="ctr">
+          <a:solidFill>
+            <a:schemeClr val="phClr"/>
+          </a:solidFill>
+          <a:prstDash val="solid"/>
+          <a:miter lim="800000"/>
+        </a:ln>
+        <a:ln w="19050" cap="flat" cmpd="sng" algn="ctr">
+          <a:solidFill>
+            <a:schemeClr val="phClr"/>
+          </a:solidFill>
+          <a:prstDash val="solid"/>
+          <a:miter lim="800000"/>
+        </a:ln>
+      </a:lnStyleLst>
+      <a:effectStyleLst>
+        <a:effectStyle>
+          <a:effectLst/>
+        </a:effectStyle>
+        <a:effectStyle>
+          <a:effectLst/>
+        </a:effectStyle>
+        <a:effectStyle>
+          <a:effectLst>
+            <a:outerShdw blurRad="57150" dist="19050" dir="5400000" algn="ctr" rotWithShape="0">
+              <a:srgbClr val="000000">
+                <a:alpha val="63000"/>
+              </a:srgbClr>
+            </a:outerShdw>
+          </a:effectLst>
+        </a:effectStyle>
+      </a:effectStyleLst>
+      <a:bgFillStyleLst>
+        <a:solidFill>
+          <a:schemeClr val="phClr"/>
+        </a:solidFill>
+        <a:solidFill>
+          <a:schemeClr val="phClr">
+            <a:tint val="95000"/>
+            <a:satMod val="170000"/>
+          </a:schemeClr>
+        </a:solidFill>
+        <a:gradFill rotWithShape="1">
+          <a:gsLst>
+            <a:gs pos="0">
+              <a:schemeClr val="phClr">
+                <a:tint val="93000"/>
+                <a:satMod val="150000"/>
+                <a:shade val="98000"/>
+                <a:lumMod val="102000"/>
+              </a:schemeClr>
+            </a:gs>
+            <a:gs pos="50000">
+              <a:schemeClr val="phClr">
+                <a:tint val="98000"/>
+                <a:satMod val="130000"/>
+                <a:shade val="90000"/>
+                <a:lumMod val="103000"/>
+              </a:schemeClr>
+            </a:gs>
+            <a:gs pos="100000">
+              <a:schemeClr val="phClr">
+                <a:shade val="63000"/>
+                <a:satMod val="120000"/>
+              </a:schemeClr>
+            </a:gs>
+          </a:gsLst>
+          <a:lin ang="5400000" scaled="0"/>
+        </a:gradFill>
+      </a:bgFillStyleLst>
+    </a:fmtScheme>
+  </a:themeElements>
+  <a:objectDefaults/>
+  <a:extraClrSchemeLst/>
+  <a:extLst>
+    <a:ext uri="{05A4C25C-085E-4340-85A3-A5531E510DB2}">
+      <thm15:themeFamily xmlns:thm15="http://schemas.microsoft.com/office/thememl/2012/main" name="Office Theme" id="{62F939B6-93AF-4DB8-9C6B-D6C7DFDC589F}" vid="{4A3C46E8-61CC-4603-A589-7422A47A8E4A}"/>
+    </a:ext>
+  </a:extLst>
+</a:theme>
 </file>
--- a/Presentation.pptx
+++ b/Presentation.pptx
@@ -5848,7 +5848,7 @@
             </a:pPr>
             <a:r>
               <a:rPr lang="en-US" sz="2200" dirty="0"/>
-              <a:t>Michael Woolridge </a:t>
+              <a:t>Michael Wooldridge </a:t>
             </a:r>
           </a:p>
           <a:p>
